--- a/Presentations/9_WindowsServices.pptx
+++ b/Presentations/9_WindowsServices.pptx
@@ -109,6 +109,11 @@
       </a:defRPr>
     </a:lvl9pPr>
   </p:defaultTextStyle>
+  <p:extLst>
+    <p:ext uri="{EFAFB233-063F-42B5-8137-9DF3F51BA10A}">
+      <p15:sldGuideLst xmlns:p15="http://schemas.microsoft.com/office/powerpoint/2012/main"/>
+    </p:ext>
+  </p:extLst>
 </p:presentation>
 </file>
 
@@ -261,7 +266,7 @@
           <a:p>
             <a:fld id="{C22A23D1-42AD-4417-8DE4-DCF385FC8C3E}" type="datetimeFigureOut">
               <a:rPr lang="en-US" smtClean="0"/>
-              <a:t>8/15/2020</a:t>
+              <a:t>8/17/2020</a:t>
             </a:fld>
             <a:endParaRPr lang="en-US"/>
           </a:p>
@@ -461,7 +466,7 @@
           <a:p>
             <a:fld id="{C22A23D1-42AD-4417-8DE4-DCF385FC8C3E}" type="datetimeFigureOut">
               <a:rPr lang="en-US" smtClean="0"/>
-              <a:t>8/15/2020</a:t>
+              <a:t>8/17/2020</a:t>
             </a:fld>
             <a:endParaRPr lang="en-US"/>
           </a:p>
@@ -671,7 +676,7 @@
           <a:p>
             <a:fld id="{C22A23D1-42AD-4417-8DE4-DCF385FC8C3E}" type="datetimeFigureOut">
               <a:rPr lang="en-US" smtClean="0"/>
-              <a:t>8/15/2020</a:t>
+              <a:t>8/17/2020</a:t>
             </a:fld>
             <a:endParaRPr lang="en-US"/>
           </a:p>
@@ -871,7 +876,7 @@
           <a:p>
             <a:fld id="{C22A23D1-42AD-4417-8DE4-DCF385FC8C3E}" type="datetimeFigureOut">
               <a:rPr lang="en-US" smtClean="0"/>
-              <a:t>8/15/2020</a:t>
+              <a:t>8/17/2020</a:t>
             </a:fld>
             <a:endParaRPr lang="en-US"/>
           </a:p>
@@ -1147,7 +1152,7 @@
           <a:p>
             <a:fld id="{C22A23D1-42AD-4417-8DE4-DCF385FC8C3E}" type="datetimeFigureOut">
               <a:rPr lang="en-US" smtClean="0"/>
-              <a:t>8/15/2020</a:t>
+              <a:t>8/17/2020</a:t>
             </a:fld>
             <a:endParaRPr lang="en-US"/>
           </a:p>
@@ -1415,7 +1420,7 @@
           <a:p>
             <a:fld id="{C22A23D1-42AD-4417-8DE4-DCF385FC8C3E}" type="datetimeFigureOut">
               <a:rPr lang="en-US" smtClean="0"/>
-              <a:t>8/15/2020</a:t>
+              <a:t>8/17/2020</a:t>
             </a:fld>
             <a:endParaRPr lang="en-US"/>
           </a:p>
@@ -1830,7 +1835,7 @@
           <a:p>
             <a:fld id="{C22A23D1-42AD-4417-8DE4-DCF385FC8C3E}" type="datetimeFigureOut">
               <a:rPr lang="en-US" smtClean="0"/>
-              <a:t>8/15/2020</a:t>
+              <a:t>8/17/2020</a:t>
             </a:fld>
             <a:endParaRPr lang="en-US"/>
           </a:p>
@@ -1972,7 +1977,7 @@
           <a:p>
             <a:fld id="{C22A23D1-42AD-4417-8DE4-DCF385FC8C3E}" type="datetimeFigureOut">
               <a:rPr lang="en-US" smtClean="0"/>
-              <a:t>8/15/2020</a:t>
+              <a:t>8/17/2020</a:t>
             </a:fld>
             <a:endParaRPr lang="en-US"/>
           </a:p>
@@ -2085,7 +2090,7 @@
           <a:p>
             <a:fld id="{C22A23D1-42AD-4417-8DE4-DCF385FC8C3E}" type="datetimeFigureOut">
               <a:rPr lang="en-US" smtClean="0"/>
-              <a:t>8/15/2020</a:t>
+              <a:t>8/17/2020</a:t>
             </a:fld>
             <a:endParaRPr lang="en-US"/>
           </a:p>
@@ -2398,7 +2403,7 @@
           <a:p>
             <a:fld id="{C22A23D1-42AD-4417-8DE4-DCF385FC8C3E}" type="datetimeFigureOut">
               <a:rPr lang="en-US" smtClean="0"/>
-              <a:t>8/15/2020</a:t>
+              <a:t>8/17/2020</a:t>
             </a:fld>
             <a:endParaRPr lang="en-US"/>
           </a:p>
@@ -2687,7 +2692,7 @@
           <a:p>
             <a:fld id="{C22A23D1-42AD-4417-8DE4-DCF385FC8C3E}" type="datetimeFigureOut">
               <a:rPr lang="en-US" smtClean="0"/>
-              <a:t>8/15/2020</a:t>
+              <a:t>8/17/2020</a:t>
             </a:fld>
             <a:endParaRPr lang="en-US"/>
           </a:p>
@@ -2930,7 +2935,7 @@
           <a:p>
             <a:fld id="{C22A23D1-42AD-4417-8DE4-DCF385FC8C3E}" type="datetimeFigureOut">
               <a:rPr lang="en-US" smtClean="0"/>
-              <a:t>8/15/2020</a:t>
+              <a:t>8/17/2020</a:t>
             </a:fld>
             <a:endParaRPr lang="en-US"/>
           </a:p>
@@ -5232,7 +5237,7 @@
           <a:p>
             <a:r>
               <a:rPr lang="da-DK" dirty="0"/>
-              <a:t>Implementere Windows Service</a:t>
+              <a:t>Implementering af en Windows Service</a:t>
             </a:r>
             <a:endParaRPr lang="LID4096" dirty="0"/>
           </a:p>
@@ -5857,8 +5862,12 @@
           <a:lstStyle/>
           <a:p>
             <a:r>
+              <a:rPr lang="da-DK"/>
+              <a:t>Run </a:t>
+            </a:r>
+            <a:r>
               <a:rPr lang="da-DK" dirty="0"/>
-              <a:t>Køre en </a:t>
+              <a:t>en </a:t>
             </a:r>
             <a:r>
               <a:rPr lang="da-DK" dirty="0" err="1"/>

--- a/Presentations/9_WindowsServices.pptx
+++ b/Presentations/9_WindowsServices.pptx
@@ -3428,7 +3428,7 @@
             <a:pPr algn="l"/>
             <a:r>
               <a:rPr lang="da-DK" sz="1800" dirty="0"/>
-              <a:t>Redegør for begrebet ”Services”, og redegør for hvorledes man designer og implementereren </a:t>
+              <a:t>Redegør for begrebet ”Services”, og redegør for hvorledes man designer og implementerer en </a:t>
             </a:r>
             <a:r>
               <a:rPr lang="da-DK" sz="1800" dirty="0" err="1"/>
@@ -5147,12 +5147,12 @@
                   <a:schemeClr val="bg1"/>
                 </a:solidFill>
               </a:rPr>
-              <a:t>Windows Service er en service der køre lokalt </a:t>
-            </a:r>
-          </a:p>
-          <a:p>
-            <a:r>
-              <a:rPr lang="da-DK" sz="2400">
+              <a:t>Windows Service er en service der kører lokalt </a:t>
+            </a:r>
+          </a:p>
+          <a:p>
+            <a:r>
+              <a:rPr lang="da-DK" sz="2400" dirty="0">
                 <a:solidFill>
                   <a:schemeClr val="bg1"/>
                 </a:solidFill>
@@ -5161,7 +5161,7 @@
             </a:r>
           </a:p>
           <a:p>
-            <a:endParaRPr lang="LID4096" sz="2400">
+            <a:endParaRPr lang="LID4096" sz="2400" dirty="0">
               <a:solidFill>
                 <a:schemeClr val="bg1"/>
               </a:solidFill>

--- a/Presentations/9_WindowsServices.pptx
+++ b/Presentations/9_WindowsServices.pptx
@@ -266,7 +266,7 @@
           <a:p>
             <a:fld id="{C22A23D1-42AD-4417-8DE4-DCF385FC8C3E}" type="datetimeFigureOut">
               <a:rPr lang="en-US" smtClean="0"/>
-              <a:t>8/17/2020</a:t>
+              <a:t>8/18/2020</a:t>
             </a:fld>
             <a:endParaRPr lang="en-US"/>
           </a:p>
@@ -466,7 +466,7 @@
           <a:p>
             <a:fld id="{C22A23D1-42AD-4417-8DE4-DCF385FC8C3E}" type="datetimeFigureOut">
               <a:rPr lang="en-US" smtClean="0"/>
-              <a:t>8/17/2020</a:t>
+              <a:t>8/18/2020</a:t>
             </a:fld>
             <a:endParaRPr lang="en-US"/>
           </a:p>
@@ -676,7 +676,7 @@
           <a:p>
             <a:fld id="{C22A23D1-42AD-4417-8DE4-DCF385FC8C3E}" type="datetimeFigureOut">
               <a:rPr lang="en-US" smtClean="0"/>
-              <a:t>8/17/2020</a:t>
+              <a:t>8/18/2020</a:t>
             </a:fld>
             <a:endParaRPr lang="en-US"/>
           </a:p>
@@ -876,7 +876,7 @@
           <a:p>
             <a:fld id="{C22A23D1-42AD-4417-8DE4-DCF385FC8C3E}" type="datetimeFigureOut">
               <a:rPr lang="en-US" smtClean="0"/>
-              <a:t>8/17/2020</a:t>
+              <a:t>8/18/2020</a:t>
             </a:fld>
             <a:endParaRPr lang="en-US"/>
           </a:p>
@@ -1152,7 +1152,7 @@
           <a:p>
             <a:fld id="{C22A23D1-42AD-4417-8DE4-DCF385FC8C3E}" type="datetimeFigureOut">
               <a:rPr lang="en-US" smtClean="0"/>
-              <a:t>8/17/2020</a:t>
+              <a:t>8/18/2020</a:t>
             </a:fld>
             <a:endParaRPr lang="en-US"/>
           </a:p>
@@ -1420,7 +1420,7 @@
           <a:p>
             <a:fld id="{C22A23D1-42AD-4417-8DE4-DCF385FC8C3E}" type="datetimeFigureOut">
               <a:rPr lang="en-US" smtClean="0"/>
-              <a:t>8/17/2020</a:t>
+              <a:t>8/18/2020</a:t>
             </a:fld>
             <a:endParaRPr lang="en-US"/>
           </a:p>
@@ -1835,7 +1835,7 @@
           <a:p>
             <a:fld id="{C22A23D1-42AD-4417-8DE4-DCF385FC8C3E}" type="datetimeFigureOut">
               <a:rPr lang="en-US" smtClean="0"/>
-              <a:t>8/17/2020</a:t>
+              <a:t>8/18/2020</a:t>
             </a:fld>
             <a:endParaRPr lang="en-US"/>
           </a:p>
@@ -1977,7 +1977,7 @@
           <a:p>
             <a:fld id="{C22A23D1-42AD-4417-8DE4-DCF385FC8C3E}" type="datetimeFigureOut">
               <a:rPr lang="en-US" smtClean="0"/>
-              <a:t>8/17/2020</a:t>
+              <a:t>8/18/2020</a:t>
             </a:fld>
             <a:endParaRPr lang="en-US"/>
           </a:p>
@@ -2090,7 +2090,7 @@
           <a:p>
             <a:fld id="{C22A23D1-42AD-4417-8DE4-DCF385FC8C3E}" type="datetimeFigureOut">
               <a:rPr lang="en-US" smtClean="0"/>
-              <a:t>8/17/2020</a:t>
+              <a:t>8/18/2020</a:t>
             </a:fld>
             <a:endParaRPr lang="en-US"/>
           </a:p>
@@ -2403,7 +2403,7 @@
           <a:p>
             <a:fld id="{C22A23D1-42AD-4417-8DE4-DCF385FC8C3E}" type="datetimeFigureOut">
               <a:rPr lang="en-US" smtClean="0"/>
-              <a:t>8/17/2020</a:t>
+              <a:t>8/18/2020</a:t>
             </a:fld>
             <a:endParaRPr lang="en-US"/>
           </a:p>
@@ -2692,7 +2692,7 @@
           <a:p>
             <a:fld id="{C22A23D1-42AD-4417-8DE4-DCF385FC8C3E}" type="datetimeFigureOut">
               <a:rPr lang="en-US" smtClean="0"/>
-              <a:t>8/17/2020</a:t>
+              <a:t>8/18/2020</a:t>
             </a:fld>
             <a:endParaRPr lang="en-US"/>
           </a:p>
@@ -2935,7 +2935,7 @@
           <a:p>
             <a:fld id="{C22A23D1-42AD-4417-8DE4-DCF385FC8C3E}" type="datetimeFigureOut">
               <a:rPr lang="en-US" smtClean="0"/>
-              <a:t>8/17/2020</a:t>
+              <a:t>8/18/2020</a:t>
             </a:fld>
             <a:endParaRPr lang="en-US"/>
           </a:p>
@@ -4067,6 +4067,264 @@
           </a:p>
         </p:txBody>
       </p:sp>
+      <p:sp>
+        <p:nvSpPr>
+          <p:cNvPr id="4" name="Tekstfelt 3">
+            <a:extLst>
+              <a:ext uri="{FF2B5EF4-FFF2-40B4-BE49-F238E27FC236}">
+                <a16:creationId xmlns:a16="http://schemas.microsoft.com/office/drawing/2014/main" id="{FF4CA433-A1E2-42F6-BB11-92CC49E1DED4}"/>
+              </a:ext>
+            </a:extLst>
+          </p:cNvPr>
+          <p:cNvSpPr txBox="1"/>
+          <p:nvPr/>
+        </p:nvSpPr>
+        <p:spPr>
+          <a:xfrm>
+            <a:off x="8915324" y="586294"/>
+            <a:ext cx="1884106" cy="369332"/>
+          </a:xfrm>
+          <a:prstGeom prst="rect">
+            <a:avLst/>
+          </a:prstGeom>
+          <a:noFill/>
+        </p:spPr>
+        <p:txBody>
+          <a:bodyPr wrap="none" rtlCol="0">
+            <a:spAutoFit/>
+          </a:bodyPr>
+          <a:lstStyle>
+            <a:defPPr>
+              <a:defRPr lang="da-DK"/>
+            </a:defPPr>
+            <a:lvl1pPr marL="0" algn="l" defTabSz="914400" rtl="0" eaLnBrk="1" latinLnBrk="0" hangingPunct="1">
+              <a:defRPr sz="1800" kern="1200">
+                <a:solidFill>
+                  <a:schemeClr val="tx1"/>
+                </a:solidFill>
+                <a:latin typeface="+mn-lt"/>
+                <a:ea typeface="+mn-ea"/>
+                <a:cs typeface="+mn-cs"/>
+              </a:defRPr>
+            </a:lvl1pPr>
+            <a:lvl2pPr marL="457200" algn="l" defTabSz="914400" rtl="0" eaLnBrk="1" latinLnBrk="0" hangingPunct="1">
+              <a:defRPr sz="1800" kern="1200">
+                <a:solidFill>
+                  <a:schemeClr val="tx1"/>
+                </a:solidFill>
+                <a:latin typeface="+mn-lt"/>
+                <a:ea typeface="+mn-ea"/>
+                <a:cs typeface="+mn-cs"/>
+              </a:defRPr>
+            </a:lvl2pPr>
+            <a:lvl3pPr marL="914400" algn="l" defTabSz="914400" rtl="0" eaLnBrk="1" latinLnBrk="0" hangingPunct="1">
+              <a:defRPr sz="1800" kern="1200">
+                <a:solidFill>
+                  <a:schemeClr val="tx1"/>
+                </a:solidFill>
+                <a:latin typeface="+mn-lt"/>
+                <a:ea typeface="+mn-ea"/>
+                <a:cs typeface="+mn-cs"/>
+              </a:defRPr>
+            </a:lvl3pPr>
+            <a:lvl4pPr marL="1371600" algn="l" defTabSz="914400" rtl="0" eaLnBrk="1" latinLnBrk="0" hangingPunct="1">
+              <a:defRPr sz="1800" kern="1200">
+                <a:solidFill>
+                  <a:schemeClr val="tx1"/>
+                </a:solidFill>
+                <a:latin typeface="+mn-lt"/>
+                <a:ea typeface="+mn-ea"/>
+                <a:cs typeface="+mn-cs"/>
+              </a:defRPr>
+            </a:lvl4pPr>
+            <a:lvl5pPr marL="1828800" algn="l" defTabSz="914400" rtl="0" eaLnBrk="1" latinLnBrk="0" hangingPunct="1">
+              <a:defRPr sz="1800" kern="1200">
+                <a:solidFill>
+                  <a:schemeClr val="tx1"/>
+                </a:solidFill>
+                <a:latin typeface="+mn-lt"/>
+                <a:ea typeface="+mn-ea"/>
+                <a:cs typeface="+mn-cs"/>
+              </a:defRPr>
+            </a:lvl5pPr>
+            <a:lvl6pPr marL="2286000" algn="l" defTabSz="914400" rtl="0" eaLnBrk="1" latinLnBrk="0" hangingPunct="1">
+              <a:defRPr sz="1800" kern="1200">
+                <a:solidFill>
+                  <a:schemeClr val="tx1"/>
+                </a:solidFill>
+                <a:latin typeface="+mn-lt"/>
+                <a:ea typeface="+mn-ea"/>
+                <a:cs typeface="+mn-cs"/>
+              </a:defRPr>
+            </a:lvl6pPr>
+            <a:lvl7pPr marL="2743200" algn="l" defTabSz="914400" rtl="0" eaLnBrk="1" latinLnBrk="0" hangingPunct="1">
+              <a:defRPr sz="1800" kern="1200">
+                <a:solidFill>
+                  <a:schemeClr val="tx1"/>
+                </a:solidFill>
+                <a:latin typeface="+mn-lt"/>
+                <a:ea typeface="+mn-ea"/>
+                <a:cs typeface="+mn-cs"/>
+              </a:defRPr>
+            </a:lvl7pPr>
+            <a:lvl8pPr marL="3200400" algn="l" defTabSz="914400" rtl="0" eaLnBrk="1" latinLnBrk="0" hangingPunct="1">
+              <a:defRPr sz="1800" kern="1200">
+                <a:solidFill>
+                  <a:schemeClr val="tx1"/>
+                </a:solidFill>
+                <a:latin typeface="+mn-lt"/>
+                <a:ea typeface="+mn-ea"/>
+                <a:cs typeface="+mn-cs"/>
+              </a:defRPr>
+            </a:lvl8pPr>
+            <a:lvl9pPr marL="3657600" algn="l" defTabSz="914400" rtl="0" eaLnBrk="1" latinLnBrk="0" hangingPunct="1">
+              <a:defRPr sz="1800" kern="1200">
+                <a:solidFill>
+                  <a:schemeClr val="tx1"/>
+                </a:solidFill>
+                <a:latin typeface="+mn-lt"/>
+                <a:ea typeface="+mn-ea"/>
+                <a:cs typeface="+mn-cs"/>
+              </a:defRPr>
+            </a:lvl9pPr>
+          </a:lstStyle>
+          <a:p>
+            <a:r>
+              <a:rPr lang="da-DK" dirty="0"/>
+              <a:t>Andreas Blaabjerg</a:t>
+            </a:r>
+          </a:p>
+        </p:txBody>
+      </p:sp>
+      <p:sp>
+        <p:nvSpPr>
+          <p:cNvPr id="5" name="Tekstfelt 4">
+            <a:extLst>
+              <a:ext uri="{FF2B5EF4-FFF2-40B4-BE49-F238E27FC236}">
+                <a16:creationId xmlns:a16="http://schemas.microsoft.com/office/drawing/2014/main" id="{785C5DA8-FE83-4327-B8F6-9364A7909F29}"/>
+              </a:ext>
+            </a:extLst>
+          </p:cNvPr>
+          <p:cNvSpPr txBox="1"/>
+          <p:nvPr/>
+        </p:nvSpPr>
+        <p:spPr>
+          <a:xfrm>
+            <a:off x="9857377" y="984024"/>
+            <a:ext cx="1237839" cy="369332"/>
+          </a:xfrm>
+          <a:prstGeom prst="rect">
+            <a:avLst/>
+          </a:prstGeom>
+          <a:noFill/>
+        </p:spPr>
+        <p:txBody>
+          <a:bodyPr wrap="none" rtlCol="0">
+            <a:spAutoFit/>
+          </a:bodyPr>
+          <a:lstStyle>
+            <a:defPPr>
+              <a:defRPr lang="da-DK"/>
+            </a:defPPr>
+            <a:lvl1pPr marL="0" algn="l" defTabSz="914400" rtl="0" eaLnBrk="1" latinLnBrk="0" hangingPunct="1">
+              <a:defRPr sz="1800" kern="1200">
+                <a:solidFill>
+                  <a:schemeClr val="tx1"/>
+                </a:solidFill>
+                <a:latin typeface="+mn-lt"/>
+                <a:ea typeface="+mn-ea"/>
+                <a:cs typeface="+mn-cs"/>
+              </a:defRPr>
+            </a:lvl1pPr>
+            <a:lvl2pPr marL="457200" algn="l" defTabSz="914400" rtl="0" eaLnBrk="1" latinLnBrk="0" hangingPunct="1">
+              <a:defRPr sz="1800" kern="1200">
+                <a:solidFill>
+                  <a:schemeClr val="tx1"/>
+                </a:solidFill>
+                <a:latin typeface="+mn-lt"/>
+                <a:ea typeface="+mn-ea"/>
+                <a:cs typeface="+mn-cs"/>
+              </a:defRPr>
+            </a:lvl2pPr>
+            <a:lvl3pPr marL="914400" algn="l" defTabSz="914400" rtl="0" eaLnBrk="1" latinLnBrk="0" hangingPunct="1">
+              <a:defRPr sz="1800" kern="1200">
+                <a:solidFill>
+                  <a:schemeClr val="tx1"/>
+                </a:solidFill>
+                <a:latin typeface="+mn-lt"/>
+                <a:ea typeface="+mn-ea"/>
+                <a:cs typeface="+mn-cs"/>
+              </a:defRPr>
+            </a:lvl3pPr>
+            <a:lvl4pPr marL="1371600" algn="l" defTabSz="914400" rtl="0" eaLnBrk="1" latinLnBrk="0" hangingPunct="1">
+              <a:defRPr sz="1800" kern="1200">
+                <a:solidFill>
+                  <a:schemeClr val="tx1"/>
+                </a:solidFill>
+                <a:latin typeface="+mn-lt"/>
+                <a:ea typeface="+mn-ea"/>
+                <a:cs typeface="+mn-cs"/>
+              </a:defRPr>
+            </a:lvl4pPr>
+            <a:lvl5pPr marL="1828800" algn="l" defTabSz="914400" rtl="0" eaLnBrk="1" latinLnBrk="0" hangingPunct="1">
+              <a:defRPr sz="1800" kern="1200">
+                <a:solidFill>
+                  <a:schemeClr val="tx1"/>
+                </a:solidFill>
+                <a:latin typeface="+mn-lt"/>
+                <a:ea typeface="+mn-ea"/>
+                <a:cs typeface="+mn-cs"/>
+              </a:defRPr>
+            </a:lvl5pPr>
+            <a:lvl6pPr marL="2286000" algn="l" defTabSz="914400" rtl="0" eaLnBrk="1" latinLnBrk="0" hangingPunct="1">
+              <a:defRPr sz="1800" kern="1200">
+                <a:solidFill>
+                  <a:schemeClr val="tx1"/>
+                </a:solidFill>
+                <a:latin typeface="+mn-lt"/>
+                <a:ea typeface="+mn-ea"/>
+                <a:cs typeface="+mn-cs"/>
+              </a:defRPr>
+            </a:lvl6pPr>
+            <a:lvl7pPr marL="2743200" algn="l" defTabSz="914400" rtl="0" eaLnBrk="1" latinLnBrk="0" hangingPunct="1">
+              <a:defRPr sz="1800" kern="1200">
+                <a:solidFill>
+                  <a:schemeClr val="tx1"/>
+                </a:solidFill>
+                <a:latin typeface="+mn-lt"/>
+                <a:ea typeface="+mn-ea"/>
+                <a:cs typeface="+mn-cs"/>
+              </a:defRPr>
+            </a:lvl7pPr>
+            <a:lvl8pPr marL="3200400" algn="l" defTabSz="914400" rtl="0" eaLnBrk="1" latinLnBrk="0" hangingPunct="1">
+              <a:defRPr sz="1800" kern="1200">
+                <a:solidFill>
+                  <a:schemeClr val="tx1"/>
+                </a:solidFill>
+                <a:latin typeface="+mn-lt"/>
+                <a:ea typeface="+mn-ea"/>
+                <a:cs typeface="+mn-cs"/>
+              </a:defRPr>
+            </a:lvl8pPr>
+            <a:lvl9pPr marL="3657600" algn="l" defTabSz="914400" rtl="0" eaLnBrk="1" latinLnBrk="0" hangingPunct="1">
+              <a:defRPr sz="1800" kern="1200">
+                <a:solidFill>
+                  <a:schemeClr val="tx1"/>
+                </a:solidFill>
+                <a:latin typeface="+mn-lt"/>
+                <a:ea typeface="+mn-ea"/>
+                <a:cs typeface="+mn-cs"/>
+              </a:defRPr>
+            </a:lvl9pPr>
+          </a:lstStyle>
+          <a:p>
+            <a:r>
+              <a:rPr lang="da-DK" dirty="0"/>
+              <a:t>201510924</a:t>
+            </a:r>
+          </a:p>
+        </p:txBody>
+      </p:sp>
     </p:spTree>
     <p:extLst>
       <p:ext uri="{BB962C8B-B14F-4D97-AF65-F5344CB8AC3E}">

--- a/Presentations/9_WindowsServices.pptx
+++ b/Presentations/9_WindowsServices.pptx
@@ -266,7 +266,7 @@
           <a:p>
             <a:fld id="{C22A23D1-42AD-4417-8DE4-DCF385FC8C3E}" type="datetimeFigureOut">
               <a:rPr lang="en-US" smtClean="0"/>
-              <a:t>8/18/2020</a:t>
+              <a:t>8/19/2020</a:t>
             </a:fld>
             <a:endParaRPr lang="en-US"/>
           </a:p>
@@ -466,7 +466,7 @@
           <a:p>
             <a:fld id="{C22A23D1-42AD-4417-8DE4-DCF385FC8C3E}" type="datetimeFigureOut">
               <a:rPr lang="en-US" smtClean="0"/>
-              <a:t>8/18/2020</a:t>
+              <a:t>8/19/2020</a:t>
             </a:fld>
             <a:endParaRPr lang="en-US"/>
           </a:p>
@@ -676,7 +676,7 @@
           <a:p>
             <a:fld id="{C22A23D1-42AD-4417-8DE4-DCF385FC8C3E}" type="datetimeFigureOut">
               <a:rPr lang="en-US" smtClean="0"/>
-              <a:t>8/18/2020</a:t>
+              <a:t>8/19/2020</a:t>
             </a:fld>
             <a:endParaRPr lang="en-US"/>
           </a:p>
@@ -876,7 +876,7 @@
           <a:p>
             <a:fld id="{C22A23D1-42AD-4417-8DE4-DCF385FC8C3E}" type="datetimeFigureOut">
               <a:rPr lang="en-US" smtClean="0"/>
-              <a:t>8/18/2020</a:t>
+              <a:t>8/19/2020</a:t>
             </a:fld>
             <a:endParaRPr lang="en-US"/>
           </a:p>
@@ -1152,7 +1152,7 @@
           <a:p>
             <a:fld id="{C22A23D1-42AD-4417-8DE4-DCF385FC8C3E}" type="datetimeFigureOut">
               <a:rPr lang="en-US" smtClean="0"/>
-              <a:t>8/18/2020</a:t>
+              <a:t>8/19/2020</a:t>
             </a:fld>
             <a:endParaRPr lang="en-US"/>
           </a:p>
@@ -1420,7 +1420,7 @@
           <a:p>
             <a:fld id="{C22A23D1-42AD-4417-8DE4-DCF385FC8C3E}" type="datetimeFigureOut">
               <a:rPr lang="en-US" smtClean="0"/>
-              <a:t>8/18/2020</a:t>
+              <a:t>8/19/2020</a:t>
             </a:fld>
             <a:endParaRPr lang="en-US"/>
           </a:p>
@@ -1835,7 +1835,7 @@
           <a:p>
             <a:fld id="{C22A23D1-42AD-4417-8DE4-DCF385FC8C3E}" type="datetimeFigureOut">
               <a:rPr lang="en-US" smtClean="0"/>
-              <a:t>8/18/2020</a:t>
+              <a:t>8/19/2020</a:t>
             </a:fld>
             <a:endParaRPr lang="en-US"/>
           </a:p>
@@ -1977,7 +1977,7 @@
           <a:p>
             <a:fld id="{C22A23D1-42AD-4417-8DE4-DCF385FC8C3E}" type="datetimeFigureOut">
               <a:rPr lang="en-US" smtClean="0"/>
-              <a:t>8/18/2020</a:t>
+              <a:t>8/19/2020</a:t>
             </a:fld>
             <a:endParaRPr lang="en-US"/>
           </a:p>
@@ -2090,7 +2090,7 @@
           <a:p>
             <a:fld id="{C22A23D1-42AD-4417-8DE4-DCF385FC8C3E}" type="datetimeFigureOut">
               <a:rPr lang="en-US" smtClean="0"/>
-              <a:t>8/18/2020</a:t>
+              <a:t>8/19/2020</a:t>
             </a:fld>
             <a:endParaRPr lang="en-US"/>
           </a:p>
@@ -2403,7 +2403,7 @@
           <a:p>
             <a:fld id="{C22A23D1-42AD-4417-8DE4-DCF385FC8C3E}" type="datetimeFigureOut">
               <a:rPr lang="en-US" smtClean="0"/>
-              <a:t>8/18/2020</a:t>
+              <a:t>8/19/2020</a:t>
             </a:fld>
             <a:endParaRPr lang="en-US"/>
           </a:p>
@@ -2692,7 +2692,7 @@
           <a:p>
             <a:fld id="{C22A23D1-42AD-4417-8DE4-DCF385FC8C3E}" type="datetimeFigureOut">
               <a:rPr lang="en-US" smtClean="0"/>
-              <a:t>8/18/2020</a:t>
+              <a:t>8/19/2020</a:t>
             </a:fld>
             <a:endParaRPr lang="en-US"/>
           </a:p>
@@ -2935,7 +2935,7 @@
           <a:p>
             <a:fld id="{C22A23D1-42AD-4417-8DE4-DCF385FC8C3E}" type="datetimeFigureOut">
               <a:rPr lang="en-US" smtClean="0"/>
-              <a:t>8/18/2020</a:t>
+              <a:t>8/19/2020</a:t>
             </a:fld>
             <a:endParaRPr lang="en-US"/>
           </a:p>
@@ -4898,28 +4898,28 @@
           <a:lstStyle/>
           <a:p>
             <a:r>
-              <a:rPr lang="da-DK" sz="2400"/>
+              <a:rPr lang="da-DK" sz="2400" dirty="0"/>
               <a:t>En service er en applikation som kaldes af andre programmer. </a:t>
             </a:r>
           </a:p>
           <a:p>
             <a:r>
-              <a:rPr lang="da-DK" sz="2400"/>
+              <a:rPr lang="da-DK" sz="2400" dirty="0"/>
               <a:t>Eks. Ved opstart af et monitorerings program kan der kaldes en service, som kan være en adskilt applikation som logger data hver time.</a:t>
             </a:r>
           </a:p>
           <a:p>
             <a:r>
-              <a:rPr lang="da-DK" sz="2400"/>
-              <a:t>Services bruges i mange tilfælde når der skal udføres noget kontinueret arbejde i baggrunden. </a:t>
-            </a:r>
-          </a:p>
-          <a:p>
-            <a:r>
-              <a:rPr lang="da-DK" sz="2400"/>
+              <a:rPr lang="da-DK" sz="2400" dirty="0"/>
+              <a:t>Services bruges i mange tilfælde når der skal udføres noget kontinuert arbejde i baggrunden. </a:t>
+            </a:r>
+          </a:p>
+          <a:p>
+            <a:r>
+              <a:rPr lang="da-DK" sz="2400" dirty="0"/>
               <a:t>Mange programmer har en service kørende, som tjekker efter nye opdateringer</a:t>
             </a:r>
-            <a:endParaRPr lang="LID4096" sz="2400"/>
+            <a:endParaRPr lang="LID4096" sz="2400" dirty="0"/>
           </a:p>
         </p:txBody>
       </p:sp>
@@ -6120,20 +6120,24 @@
           <a:lstStyle/>
           <a:p>
             <a:r>
+              <a:rPr lang="da-DK" dirty="0"/>
+              <a:t>Run </a:t>
+            </a:r>
+            <a:r>
               <a:rPr lang="da-DK"/>
-              <a:t>Run </a:t>
+              <a:t>en </a:t>
             </a:r>
             <a:r>
               <a:rPr lang="da-DK" dirty="0"/>
-              <a:t>en </a:t>
-            </a:r>
-            <a:r>
-              <a:rPr lang="da-DK" dirty="0" err="1"/>
-              <a:t>windows</a:t>
+              <a:t>W</a:t>
+            </a:r>
+            <a:r>
+              <a:rPr lang="da-DK"/>
+              <a:t>indows </a:t>
             </a:r>
             <a:r>
               <a:rPr lang="da-DK" dirty="0"/>
-              <a:t> service </a:t>
+              <a:t>service </a:t>
             </a:r>
             <a:endParaRPr lang="LID4096" dirty="0"/>
           </a:p>
